--- a/media/ProwlerPresentation.pptx
+++ b/media/ProwlerPresentation.pptx
@@ -116,6 +116,11 @@
       </a:defRPr>
     </a:lvl9pPr>
   </p:defaultTextStyle>
+  <p:extLst>
+    <p:ext uri="{EFAFB233-063F-42B5-8137-9DF3F51BA10A}">
+      <p15:sldGuideLst xmlns:p15="http://schemas.microsoft.com/office/powerpoint/2012/main"/>
+    </p:ext>
+  </p:extLst>
 </p:presentation>
 </file>
 
@@ -276,7 +281,7 @@
           <a:p>
             <a:fld id="{A01AAF47-2A6E-184A-A5F7-FC24D4F887B1}" type="datetimeFigureOut">
               <a:rPr lang="en-GB" smtClean="0"/>
-              <a:t>20/03/2018</a:t>
+              <a:t>21/03/2018</a:t>
             </a:fld>
             <a:endParaRPr lang="en-GB"/>
           </a:p>
@@ -476,7 +481,7 @@
           <a:p>
             <a:fld id="{A01AAF47-2A6E-184A-A5F7-FC24D4F887B1}" type="datetimeFigureOut">
               <a:rPr lang="en-GB" smtClean="0"/>
-              <a:t>20/03/2018</a:t>
+              <a:t>21/03/2018</a:t>
             </a:fld>
             <a:endParaRPr lang="en-GB"/>
           </a:p>
@@ -686,7 +691,7 @@
           <a:p>
             <a:fld id="{A01AAF47-2A6E-184A-A5F7-FC24D4F887B1}" type="datetimeFigureOut">
               <a:rPr lang="en-GB" smtClean="0"/>
-              <a:t>20/03/2018</a:t>
+              <a:t>21/03/2018</a:t>
             </a:fld>
             <a:endParaRPr lang="en-GB"/>
           </a:p>
@@ -916,7 +921,7 @@
           <a:p>
             <a:fld id="{A01AAF47-2A6E-184A-A5F7-FC24D4F887B1}" type="datetimeFigureOut">
               <a:rPr lang="en-GB" smtClean="0"/>
-              <a:t>20/03/2018</a:t>
+              <a:t>21/03/2018</a:t>
             </a:fld>
             <a:endParaRPr lang="en-GB"/>
           </a:p>
@@ -1192,7 +1197,7 @@
           <a:p>
             <a:fld id="{A01AAF47-2A6E-184A-A5F7-FC24D4F887B1}" type="datetimeFigureOut">
               <a:rPr lang="en-GB" smtClean="0"/>
-              <a:t>20/03/2018</a:t>
+              <a:t>21/03/2018</a:t>
             </a:fld>
             <a:endParaRPr lang="en-GB"/>
           </a:p>
@@ -1460,7 +1465,7 @@
           <a:p>
             <a:fld id="{A01AAF47-2A6E-184A-A5F7-FC24D4F887B1}" type="datetimeFigureOut">
               <a:rPr lang="en-GB" smtClean="0"/>
-              <a:t>20/03/2018</a:t>
+              <a:t>21/03/2018</a:t>
             </a:fld>
             <a:endParaRPr lang="en-GB"/>
           </a:p>
@@ -1875,7 +1880,7 @@
           <a:p>
             <a:fld id="{A01AAF47-2A6E-184A-A5F7-FC24D4F887B1}" type="datetimeFigureOut">
               <a:rPr lang="en-GB" smtClean="0"/>
-              <a:t>20/03/2018</a:t>
+              <a:t>21/03/2018</a:t>
             </a:fld>
             <a:endParaRPr lang="en-GB"/>
           </a:p>
@@ -2017,7 +2022,7 @@
           <a:p>
             <a:fld id="{A01AAF47-2A6E-184A-A5F7-FC24D4F887B1}" type="datetimeFigureOut">
               <a:rPr lang="en-GB" smtClean="0"/>
-              <a:t>20/03/2018</a:t>
+              <a:t>21/03/2018</a:t>
             </a:fld>
             <a:endParaRPr lang="en-GB"/>
           </a:p>
@@ -2130,7 +2135,7 @@
           <a:p>
             <a:fld id="{A01AAF47-2A6E-184A-A5F7-FC24D4F887B1}" type="datetimeFigureOut">
               <a:rPr lang="en-GB" smtClean="0"/>
-              <a:t>20/03/2018</a:t>
+              <a:t>21/03/2018</a:t>
             </a:fld>
             <a:endParaRPr lang="en-GB"/>
           </a:p>
@@ -2443,7 +2448,7 @@
           <a:p>
             <a:fld id="{A01AAF47-2A6E-184A-A5F7-FC24D4F887B1}" type="datetimeFigureOut">
               <a:rPr lang="en-GB" smtClean="0"/>
-              <a:t>20/03/2018</a:t>
+              <a:t>21/03/2018</a:t>
             </a:fld>
             <a:endParaRPr lang="en-GB"/>
           </a:p>
@@ -2732,7 +2737,7 @@
           <a:p>
             <a:fld id="{A01AAF47-2A6E-184A-A5F7-FC24D4F887B1}" type="datetimeFigureOut">
               <a:rPr lang="en-GB" smtClean="0"/>
-              <a:t>20/03/2018</a:t>
+              <a:t>21/03/2018</a:t>
             </a:fld>
             <a:endParaRPr lang="en-GB"/>
           </a:p>
@@ -2980,7 +2985,7 @@
             <a:fld id="{A01AAF47-2A6E-184A-A5F7-FC24D4F887B1}" type="datetimeFigureOut">
               <a:rPr lang="en-GB" smtClean="0"/>
               <a:pPr/>
-              <a:t>20/03/2018</a:t>
+              <a:t>21/03/2018</a:t>
             </a:fld>
             <a:endParaRPr lang="en-GB"/>
           </a:p>
@@ -3414,8 +3419,8 @@
         </p:nvSpPr>
         <p:spPr>
           <a:xfrm>
-            <a:off x="2895271" y="1036320"/>
-            <a:ext cx="6460423" cy="3631763"/>
+            <a:off x="2895271" y="989667"/>
+            <a:ext cx="6460422" cy="4462760"/>
           </a:xfrm>
           <a:prstGeom prst="rect">
             <a:avLst/>
@@ -3532,6 +3537,51 @@
               </a:rPr>
               <a:t>SINGAPORE UNIVERSITY OF TECHNOLOGY AND DESIGN</a:t>
             </a:r>
+          </a:p>
+          <a:p>
+            <a:pPr algn="ctr"/>
+            <a:endParaRPr lang="en-GB" b="1" dirty="0">
+              <a:solidFill>
+                <a:schemeClr val="bg1"/>
+              </a:solidFill>
+              <a:latin typeface="Menlo" panose="020B0609030804020204" pitchFamily="49" charset="0"/>
+              <a:ea typeface="Menlo" panose="020B0609030804020204" pitchFamily="49" charset="0"/>
+              <a:cs typeface="Menlo" panose="020B0609030804020204" pitchFamily="49" charset="0"/>
+            </a:endParaRPr>
+          </a:p>
+          <a:p>
+            <a:pPr algn="ctr"/>
+            <a:r>
+              <a:rPr lang="en-GB" dirty="0">
+                <a:solidFill>
+                  <a:schemeClr val="bg1"/>
+                </a:solidFill>
+                <a:latin typeface="Menlo" panose="020B0609030804020204" pitchFamily="49" charset="0"/>
+                <a:ea typeface="Menlo" panose="020B0609030804020204" pitchFamily="49" charset="0"/>
+                <a:cs typeface="Menlo" panose="020B0609030804020204" pitchFamily="49" charset="0"/>
+                <a:hlinkClick r:id="rId2"/>
+              </a:rPr>
+              <a:t>https://tlkh.github.io/prowler</a:t>
+            </a:r>
+            <a:endParaRPr lang="en-GB" dirty="0">
+              <a:solidFill>
+                <a:schemeClr val="bg1"/>
+              </a:solidFill>
+              <a:latin typeface="Menlo" panose="020B0609030804020204" pitchFamily="49" charset="0"/>
+              <a:ea typeface="Menlo" panose="020B0609030804020204" pitchFamily="49" charset="0"/>
+              <a:cs typeface="Menlo" panose="020B0609030804020204" pitchFamily="49" charset="0"/>
+            </a:endParaRPr>
+          </a:p>
+          <a:p>
+            <a:pPr algn="ctr"/>
+            <a:endParaRPr lang="en-GB" dirty="0">
+              <a:solidFill>
+                <a:schemeClr val="bg1"/>
+              </a:solidFill>
+              <a:latin typeface="Menlo" panose="020B0609030804020204" pitchFamily="49" charset="0"/>
+              <a:ea typeface="Menlo" panose="020B0609030804020204" pitchFamily="49" charset="0"/>
+              <a:cs typeface="Menlo" panose="020B0609030804020204" pitchFamily="49" charset="0"/>
+            </a:endParaRPr>
           </a:p>
         </p:txBody>
       </p:sp>
@@ -4462,7 +4512,7 @@
               <a:rPr lang="en-GB" dirty="0">
                 <a:latin typeface="Helvetica" pitchFamily="2" charset="0"/>
               </a:rPr>
-              <a:t>Network vulnerability scanner</a:t>
+              <a:t>Distributed Network vulnerability scanner</a:t>
             </a:r>
           </a:p>
           <a:p>
